--- a/Examples/Data/Charts/ChartTrendLines_out.pptx
+++ b/Examples/Data/Charts/ChartTrendLines_out.pptx
@@ -1,6 +1,6 @@
 
 <file path=ppt/presentation.xml><?xml version="1.0" encoding="utf-8"?>
-<!--Generated by Aspose.Slides for .NET 19.5-->
+<!--Generated by Aspose.Slides for .NET 19.6-->
 <p:presentation xmlns:r="http://schemas.openxmlformats.org/officeDocument/2006/relationships" xmlns:a="http://schemas.openxmlformats.org/drawingml/2006/main" xmlns:p="http://schemas.openxmlformats.org/presentationml/2006/main" saveSubsetFonts="1">
   <p:sldMasterIdLst>
     <p:sldMasterId id="2147483648" r:id="rId1"/>
@@ -591,7 +591,7 @@
           <a:bodyPr/>
           <a:lstStyle/>
           <a:p>
-            <a:fld id="{07BB4A98-8D3E-4B38-A2E8-F2A3ECFA0FF5}" type="datetimeFigureOut">
+            <a:fld id="{C0A49FFB-1880-4C0F-A697-072F0236E078}" type="datetimeFigureOut">
               <a:rPr lang="en-US" smtClean="0"/>
               <a:t>11/7/2009</a:t>
             </a:fld>
@@ -755,7 +755,7 @@
           <a:bodyPr/>
           <a:lstStyle/>
           <a:p>
-            <a:fld id="{66809E88-F5B6-4D38-86B2-1B5EE5997E5F}" type="datetimeFigureOut">
+            <a:fld id="{A3BFCCEC-A0D7-4F5A-B7C1-CBAD9829CC45}" type="datetimeFigureOut">
               <a:rPr lang="en-US" smtClean="0"/>
               <a:t>11/7/2009</a:t>
             </a:fld>
@@ -919,7 +919,7 @@
           <a:bodyPr/>
           <a:lstStyle/>
           <a:p>
-            <a:fld id="{B0A0ECBA-9856-4C25-A123-605CCE63B8F3}" type="datetimeFigureOut">
+            <a:fld id="{EA23355D-29CD-4B23-A0F4-E1E6738A3823}" type="datetimeFigureOut">
               <a:rPr lang="en-US" smtClean="0"/>
               <a:t>11/7/2009</a:t>
             </a:fld>
@@ -1083,7 +1083,7 @@
           <a:bodyPr/>
           <a:lstStyle/>
           <a:p>
-            <a:fld id="{FC1F1014-A5DC-43BC-A63B-36166B9DF232}" type="datetimeFigureOut">
+            <a:fld id="{F4D94FFB-C1C0-4663-A6F3-F4A8A7719FB6}" type="datetimeFigureOut">
               <a:rPr lang="en-US" smtClean="0"/>
               <a:t>11/7/2009</a:t>
             </a:fld>
@@ -1313,7 +1313,7 @@
           <a:bodyPr/>
           <a:lstStyle/>
           <a:p>
-            <a:fld id="{12249E4F-87E8-4329-B4E8-3236C8D4EFCC}" type="datetimeFigureOut">
+            <a:fld id="{D24DD9DB-4CAD-4671-ACD9-F942C0EC448A}" type="datetimeFigureOut">
               <a:rPr lang="en-US" smtClean="0"/>
               <a:t>11/7/2009</a:t>
             </a:fld>
@@ -1584,7 +1584,7 @@
           <a:bodyPr/>
           <a:lstStyle/>
           <a:p>
-            <a:fld id="{40035F85-0445-4D91-AF8D-42BB07C83793}" type="datetimeFigureOut">
+            <a:fld id="{98DA642C-B90A-428D-BE2E-E9E59089544A}" type="datetimeFigureOut">
               <a:rPr lang="en-US" smtClean="0"/>
               <a:t>11/7/2009</a:t>
             </a:fld>
@@ -1973,7 +1973,7 @@
           <a:bodyPr/>
           <a:lstStyle/>
           <a:p>
-            <a:fld id="{A16FEC03-8AA3-4E6F-AF45-998B4B2A981D}" type="datetimeFigureOut">
+            <a:fld id="{A50B4B3A-719C-4081-BFB6-80D02BA046C6}" type="datetimeFigureOut">
               <a:rPr lang="en-US" smtClean="0"/>
               <a:t>11/7/2009</a:t>
             </a:fld>
@@ -2086,7 +2086,7 @@
           <a:bodyPr/>
           <a:lstStyle/>
           <a:p>
-            <a:fld id="{44FA0A52-E019-4566-8B00-04C902525FCD}" type="datetimeFigureOut">
+            <a:fld id="{FCE21635-5A76-4F6B-BBC7-42B20B196F93}" type="datetimeFigureOut">
               <a:rPr lang="en-US" smtClean="0"/>
               <a:t>11/7/2009</a:t>
             </a:fld>
@@ -2176,7 +2176,7 @@
           <a:bodyPr/>
           <a:lstStyle/>
           <a:p>
-            <a:fld id="{FC72F469-9CBA-42B5-A6CE-1CE7465311A6}" type="datetimeFigureOut">
+            <a:fld id="{DA5979F4-C07B-4565-930B-8309E86BB2FF}" type="datetimeFigureOut">
               <a:rPr lang="en-US" smtClean="0"/>
               <a:t>11/7/2009</a:t>
             </a:fld>
@@ -2431,7 +2431,7 @@
           <a:bodyPr/>
           <a:lstStyle/>
           <a:p>
-            <a:fld id="{F0375DB0-E4DA-4E03-A362-0422DEC1E7C4}" type="datetimeFigureOut">
+            <a:fld id="{495ECAF7-2789-49D2-BC9A-BE2723C90D53}" type="datetimeFigureOut">
               <a:rPr lang="en-US" smtClean="0"/>
               <a:t>11/7/2009</a:t>
             </a:fld>
@@ -2663,7 +2663,7 @@
           <a:bodyPr/>
           <a:lstStyle/>
           <a:p>
-            <a:fld id="{08533398-B8FF-4117-9BCA-25A4322F3E07}" type="datetimeFigureOut">
+            <a:fld id="{29E990D3-37CF-4E1E-BDFB-0923FF410420}" type="datetimeFigureOut">
               <a:rPr lang="en-US" smtClean="0"/>
               <a:t>11/7/2009</a:t>
             </a:fld>
@@ -3258,77 +3258,6 @@
           </a:graphicData>
         </a:graphic>
       </p:graphicFrame>
-      <p:sp>
-        <p:nvSpPr>
-          <p:cNvPr id="3" name="TextBox"/>
-          <p:cNvSpPr txBox="1">
-            <a:spLocks noGrp="1" noSelect="1" noRot="1" noMove="1"/>
-          </p:cNvSpPr>
-          <p:nvPr/>
-        </p:nvSpPr>
-        <p:spPr>
-          <a:xfrm>
-            <a:off x="1366520" y="2644140"/>
-            <a:ext cx="6411372" cy="1569660"/>
-          </a:xfrm>
-          <a:prstGeom prst="rect">
-            <a:avLst/>
-          </a:prstGeom>
-          <a:noFill/>
-        </p:spPr>
-        <p:txBody>
-          <a:bodyPr wrap="none" rtlCol="0" anchor="ctr" anchorCtr="1">
-            <a:spAutoFit/>
-          </a:bodyPr>
-          <a:lstStyle>
-            <a:lvl1pPr algn="l">
-              <a:lnSpc>
-                <a:spcPct val="150000"/>
-              </a:lnSpc>
-              <a:spcBef>
-                <a:spcPct val="0"/>
-              </a:spcBef>
-              <a:spcAft>
-                <a:spcPct val="0"/>
-              </a:spcAft>
-              <a:defRPr lang="en-US" sz="3200" b="1" noProof="1" dirty="0">
-                <a:solidFill>
-                  <a:prstClr val="red">
-                    <a:lumOff val="30000"/>
-                    <a:alpha val="40000"/>
-                  </a:prstClr>
-                </a:solidFill>
-                <a:effectLst>
-                  <a:outerShdw blurRad="50800" dist="38100" algn="tr" rotWithShape="0">
-                    <a:prstClr val="black">
-                      <a:alpha val="80000"/>
-                    </a:prstClr>
-                  </a:outerShdw>
-                </a:effectLst>
-                <a:latin typeface="Calibri" pitchFamily="34" charset="0"/>
-              </a:defRPr>
-            </a:lvl1pPr>
-          </a:lstStyle>
-          <a:p>
-            <a:pPr algn="ctr"/>
-            <a:r>
-              <a:t>Evaluation only.</a:t>
-            </a:r>
-          </a:p>
-          <a:p>
-            <a:pPr algn="ctr"/>
-            <a:r>
-              <a:t>Created with Aspose.Slides for .NET 4.0 Client Profile 19.5.</a:t>
-            </a:r>
-          </a:p>
-          <a:p>
-            <a:pPr algn="ctr"/>
-            <a:r>
-              <a:t>Copyright 2004-2019Aspose Pty Ltd.</a:t>
-            </a:r>
-          </a:p>
-        </p:txBody>
-      </p:sp>
     </p:spTree>
   </p:cSld>
   <p:clrMapOvr>
@@ -3343,9 +3272,9 @@
 <p:tagLst xmlns:p="http://schemas.openxmlformats.org/presentationml/2006/main">
   <p:tag name="AS_NET" val="4.0.30319.42000"/>
   <p:tag name="AS_OS" val="Microsoft Windows NT 6.2.9200.0"/>
-  <p:tag name="AS_RELEASE_DATE" val="2019.05.17"/>
+  <p:tag name="AS_RELEASE_DATE" val="2019.06.14"/>
   <p:tag name="AS_TITLE" val="Aspose.Slides for .NET 4.0 Client Profile"/>
-  <p:tag name="AS_VERSION" val="19.5"/>
+  <p:tag name="AS_VERSION" val="19.6"/>
 </p:tagLst>
 </file>
 

--- a/Examples/Data/Charts/ChartTrendLines_out.pptx
+++ b/Examples/Data/Charts/ChartTrendLines_out.pptx
@@ -1,6 +1,6 @@
 
 <file path=ppt/presentation.xml><?xml version="1.0" encoding="utf-8"?>
-<!--Generated by Aspose.Slides for .NET 19.6-->
+<!--Generated by Aspose.Slides for .NET 21.12-->
 <p:presentation xmlns:r="http://schemas.openxmlformats.org/officeDocument/2006/relationships" xmlns:a="http://schemas.openxmlformats.org/drawingml/2006/main" xmlns:p="http://schemas.openxmlformats.org/presentationml/2006/main" saveSubsetFonts="1">
   <p:sldMasterIdLst>
     <p:sldMasterId id="2147483648" r:id="rId1"/>
@@ -112,7 +112,7 @@
 </file>
 
 <file path=ppt/charts/chart1.xml><?xml version="1.0" encoding="utf-8"?>
-<c:chartSpace xmlns:a="http://schemas.openxmlformats.org/drawingml/2006/main" xmlns:r="http://schemas.openxmlformats.org/officeDocument/2006/relationships" xmlns:c="http://schemas.openxmlformats.org/drawingml/2006/chart">
+<c:chartSpace xmlns:a="http://schemas.openxmlformats.org/drawingml/2006/main" xmlns:r="http://schemas.openxmlformats.org/officeDocument/2006/relationships" xmlns:m="http://schemas.openxmlformats.org/officeDocument/2006/math" xmlns:w="http://schemas.openxmlformats.org/wordprocessingml/2006/main" xmlns:wp="http://schemas.openxmlformats.org/drawingml/2006/wordprocessingDrawing" xmlns:a14="http://schemas.microsoft.com/office/drawing/2010/main" xmlns:c="http://schemas.openxmlformats.org/drawingml/2006/chart">
   <c:date1904 val="0"/>
   <c:lang val="ru-RU"/>
   <c:roundedCorners val="0"/>
@@ -425,11 +425,11 @@
 </file>
 
 <file path=ppt/slideLayouts/slideLayout1.xml><?xml version="1.0" encoding="utf-8"?>
-<p:sldLayout xmlns:a="http://schemas.openxmlformats.org/drawingml/2006/main" xmlns:r="http://schemas.openxmlformats.org/officeDocument/2006/relationships" xmlns:p14="http://schemas.microsoft.com/office/powerpoint/2010/main" xmlns:a14="http://schemas.microsoft.com/office/drawing/2010/main" xmlns:p15="http://schemas.microsoft.com/office/powerpoint/2012/main" xmlns:p159="http://schemas.microsoft.com/office/powerpoint/2015/09/main" xmlns:p="http://schemas.openxmlformats.org/presentationml/2006/main" type="title" preserve="1">
+<p:sldLayout xmlns:a="http://schemas.openxmlformats.org/drawingml/2006/main" xmlns:r="http://schemas.openxmlformats.org/officeDocument/2006/relationships" xmlns:m="http://schemas.openxmlformats.org/officeDocument/2006/math" xmlns:w="http://schemas.openxmlformats.org/wordprocessingml/2006/main" xmlns:wp="http://schemas.openxmlformats.org/drawingml/2006/wordprocessingDrawing" xmlns:a14="http://schemas.microsoft.com/office/drawing/2010/main" xmlns:mc="http://schemas.openxmlformats.org/markup-compatibility/2006" xmlns:p14="http://schemas.microsoft.com/office/powerpoint/2010/main" xmlns:p15="http://schemas.microsoft.com/office/powerpoint/2012/main" xmlns:p159="http://schemas.microsoft.com/office/powerpoint/2015/09/main" xmlns:p="http://schemas.openxmlformats.org/presentationml/2006/main" type="title" preserve="1">
   <p:cSld name="Title Slide">
     <p:spTree>
       <p:nvGrpSpPr>
-        <p:cNvPr id="1" name=""/>
+        <p:cNvPr id="1" name="" title=""/>
         <p:cNvGrpSpPr/>
         <p:nvPr/>
       </p:nvGrpSpPr>
@@ -441,7 +441,7 @@
       </p:grpSpPr>
       <p:sp>
         <p:nvSpPr>
-          <p:cNvPr id="2" name="Title 1"/>
+          <p:cNvPr id="2" name="Title 1" title=""/>
           <p:cNvSpPr>
             <a:spLocks noGrp="1"/>
           </p:cNvSpPr>
@@ -464,7 +464,7 @@
       </p:sp>
       <p:sp>
         <p:nvSpPr>
-          <p:cNvPr id="3" name="Subtitle 2"/>
+          <p:cNvPr id="3" name="Subtitle 2" title=""/>
           <p:cNvSpPr>
             <a:spLocks noGrp="1"/>
           </p:cNvSpPr>
@@ -578,7 +578,7 @@
       </p:sp>
       <p:sp>
         <p:nvSpPr>
-          <p:cNvPr id="4" name="Date Placeholder 3"/>
+          <p:cNvPr id="4" name="Date Placeholder 3" title=""/>
           <p:cNvSpPr>
             <a:spLocks noGrp="1"/>
           </p:cNvSpPr>
@@ -591,7 +591,7 @@
           <a:bodyPr/>
           <a:lstStyle/>
           <a:p>
-            <a:fld id="{C0A49FFB-1880-4C0F-A697-072F0236E078}" type="datetimeFigureOut">
+            <a:fld id="{89B48C8B-3756-4B30-9EDC-A00137DAD246}" type="datetimeFigureOut">
               <a:rPr lang="en-US" smtClean="0"/>
               <a:t>11/7/2009</a:t>
             </a:fld>
@@ -601,7 +601,7 @@
       </p:sp>
       <p:sp>
         <p:nvSpPr>
-          <p:cNvPr id="5" name="Footer Placeholder 4"/>
+          <p:cNvPr id="5" name="Footer Placeholder 4" title=""/>
           <p:cNvSpPr>
             <a:spLocks noGrp="1"/>
           </p:cNvSpPr>
@@ -620,7 +620,7 @@
       </p:sp>
       <p:sp>
         <p:nvSpPr>
-          <p:cNvPr id="6" name="Slide Number Placeholder 5"/>
+          <p:cNvPr id="6" name="Slide Number Placeholder 5" title=""/>
           <p:cNvSpPr>
             <a:spLocks noGrp="1"/>
           </p:cNvSpPr>
@@ -652,11 +652,11 @@
 </file>
 
 <file path=ppt/slideLayouts/slideLayout10.xml><?xml version="1.0" encoding="utf-8"?>
-<p:sldLayout xmlns:a="http://schemas.openxmlformats.org/drawingml/2006/main" xmlns:r="http://schemas.openxmlformats.org/officeDocument/2006/relationships" xmlns:p14="http://schemas.microsoft.com/office/powerpoint/2010/main" xmlns:a14="http://schemas.microsoft.com/office/drawing/2010/main" xmlns:p15="http://schemas.microsoft.com/office/powerpoint/2012/main" xmlns:p159="http://schemas.microsoft.com/office/powerpoint/2015/09/main" xmlns:p="http://schemas.openxmlformats.org/presentationml/2006/main" type="vertTx" preserve="1">
+<p:sldLayout xmlns:a="http://schemas.openxmlformats.org/drawingml/2006/main" xmlns:r="http://schemas.openxmlformats.org/officeDocument/2006/relationships" xmlns:m="http://schemas.openxmlformats.org/officeDocument/2006/math" xmlns:w="http://schemas.openxmlformats.org/wordprocessingml/2006/main" xmlns:wp="http://schemas.openxmlformats.org/drawingml/2006/wordprocessingDrawing" xmlns:a14="http://schemas.microsoft.com/office/drawing/2010/main" xmlns:mc="http://schemas.openxmlformats.org/markup-compatibility/2006" xmlns:p14="http://schemas.microsoft.com/office/powerpoint/2010/main" xmlns:p15="http://schemas.microsoft.com/office/powerpoint/2012/main" xmlns:p159="http://schemas.microsoft.com/office/powerpoint/2015/09/main" xmlns:p="http://schemas.openxmlformats.org/presentationml/2006/main" type="vertTx" preserve="1">
   <p:cSld name="Title and Vertical Text">
     <p:spTree>
       <p:nvGrpSpPr>
-        <p:cNvPr id="1" name=""/>
+        <p:cNvPr id="1" name="" title=""/>
         <p:cNvGrpSpPr/>
         <p:nvPr/>
       </p:nvGrpSpPr>
@@ -668,7 +668,7 @@
       </p:grpSpPr>
       <p:sp>
         <p:nvSpPr>
-          <p:cNvPr id="2" name="Title 1"/>
+          <p:cNvPr id="2" name="Title 1" title=""/>
           <p:cNvSpPr>
             <a:spLocks noGrp="1"/>
           </p:cNvSpPr>
@@ -691,7 +691,7 @@
       </p:sp>
       <p:sp>
         <p:nvSpPr>
-          <p:cNvPr id="3" name="Vertical Text Placeholder 2"/>
+          <p:cNvPr id="3" name="Vertical Text Placeholder 2" title=""/>
           <p:cNvSpPr>
             <a:spLocks noGrp="1"/>
           </p:cNvSpPr>
@@ -742,7 +742,7 @@
       </p:sp>
       <p:sp>
         <p:nvSpPr>
-          <p:cNvPr id="4" name="Date Placeholder 3"/>
+          <p:cNvPr id="4" name="Date Placeholder 3" title=""/>
           <p:cNvSpPr>
             <a:spLocks noGrp="1"/>
           </p:cNvSpPr>
@@ -755,7 +755,7 @@
           <a:bodyPr/>
           <a:lstStyle/>
           <a:p>
-            <a:fld id="{A3BFCCEC-A0D7-4F5A-B7C1-CBAD9829CC45}" type="datetimeFigureOut">
+            <a:fld id="{67FBBD24-93D4-4657-8AE8-176C714F3F50}" type="datetimeFigureOut">
               <a:rPr lang="en-US" smtClean="0"/>
               <a:t>11/7/2009</a:t>
             </a:fld>
@@ -765,7 +765,7 @@
       </p:sp>
       <p:sp>
         <p:nvSpPr>
-          <p:cNvPr id="5" name="Footer Placeholder 4"/>
+          <p:cNvPr id="5" name="Footer Placeholder 4" title=""/>
           <p:cNvSpPr>
             <a:spLocks noGrp="1"/>
           </p:cNvSpPr>
@@ -784,7 +784,7 @@
       </p:sp>
       <p:sp>
         <p:nvSpPr>
-          <p:cNvPr id="6" name="Slide Number Placeholder 5"/>
+          <p:cNvPr id="6" name="Slide Number Placeholder 5" title=""/>
           <p:cNvSpPr>
             <a:spLocks noGrp="1"/>
           </p:cNvSpPr>
@@ -816,11 +816,11 @@
 </file>
 
 <file path=ppt/slideLayouts/slideLayout11.xml><?xml version="1.0" encoding="utf-8"?>
-<p:sldLayout xmlns:a="http://schemas.openxmlformats.org/drawingml/2006/main" xmlns:r="http://schemas.openxmlformats.org/officeDocument/2006/relationships" xmlns:p14="http://schemas.microsoft.com/office/powerpoint/2010/main" xmlns:a14="http://schemas.microsoft.com/office/drawing/2010/main" xmlns:p15="http://schemas.microsoft.com/office/powerpoint/2012/main" xmlns:p159="http://schemas.microsoft.com/office/powerpoint/2015/09/main" xmlns:p="http://schemas.openxmlformats.org/presentationml/2006/main" type="vertTitleAndTx" preserve="1">
+<p:sldLayout xmlns:a="http://schemas.openxmlformats.org/drawingml/2006/main" xmlns:r="http://schemas.openxmlformats.org/officeDocument/2006/relationships" xmlns:m="http://schemas.openxmlformats.org/officeDocument/2006/math" xmlns:w="http://schemas.openxmlformats.org/wordprocessingml/2006/main" xmlns:wp="http://schemas.openxmlformats.org/drawingml/2006/wordprocessingDrawing" xmlns:a14="http://schemas.microsoft.com/office/drawing/2010/main" xmlns:mc="http://schemas.openxmlformats.org/markup-compatibility/2006" xmlns:p14="http://schemas.microsoft.com/office/powerpoint/2010/main" xmlns:p15="http://schemas.microsoft.com/office/powerpoint/2012/main" xmlns:p159="http://schemas.microsoft.com/office/powerpoint/2015/09/main" xmlns:p="http://schemas.openxmlformats.org/presentationml/2006/main" type="vertTitleAndTx" preserve="1">
   <p:cSld name="Vertical Title and Text">
     <p:spTree>
       <p:nvGrpSpPr>
-        <p:cNvPr id="1" name=""/>
+        <p:cNvPr id="1" name="" title=""/>
         <p:cNvGrpSpPr/>
         <p:nvPr/>
       </p:nvGrpSpPr>
@@ -832,7 +832,7 @@
       </p:grpSpPr>
       <p:sp>
         <p:nvSpPr>
-          <p:cNvPr id="2" name="Vertical Title 1"/>
+          <p:cNvPr id="2" name="Vertical Title 1" title=""/>
           <p:cNvSpPr>
             <a:spLocks noGrp="1"/>
           </p:cNvSpPr>
@@ -855,7 +855,7 @@
       </p:sp>
       <p:sp>
         <p:nvSpPr>
-          <p:cNvPr id="3" name="Vertical Text Placeholder 2"/>
+          <p:cNvPr id="3" name="Vertical Text Placeholder 2" title=""/>
           <p:cNvSpPr>
             <a:spLocks noGrp="1"/>
           </p:cNvSpPr>
@@ -906,7 +906,7 @@
       </p:sp>
       <p:sp>
         <p:nvSpPr>
-          <p:cNvPr id="4" name="Date Placeholder 3"/>
+          <p:cNvPr id="4" name="Date Placeholder 3" title=""/>
           <p:cNvSpPr>
             <a:spLocks noGrp="1"/>
           </p:cNvSpPr>
@@ -919,7 +919,7 @@
           <a:bodyPr/>
           <a:lstStyle/>
           <a:p>
-            <a:fld id="{EA23355D-29CD-4B23-A0F4-E1E6738A3823}" type="datetimeFigureOut">
+            <a:fld id="{EC81F05D-7195-4DD6-BF82-6AF99D7F5AFE}" type="datetimeFigureOut">
               <a:rPr lang="en-US" smtClean="0"/>
               <a:t>11/7/2009</a:t>
             </a:fld>
@@ -929,7 +929,7 @@
       </p:sp>
       <p:sp>
         <p:nvSpPr>
-          <p:cNvPr id="5" name="Footer Placeholder 4"/>
+          <p:cNvPr id="5" name="Footer Placeholder 4" title=""/>
           <p:cNvSpPr>
             <a:spLocks noGrp="1"/>
           </p:cNvSpPr>
@@ -948,7 +948,7 @@
       </p:sp>
       <p:sp>
         <p:nvSpPr>
-          <p:cNvPr id="6" name="Slide Number Placeholder 5"/>
+          <p:cNvPr id="6" name="Slide Number Placeholder 5" title=""/>
           <p:cNvSpPr>
             <a:spLocks noGrp="1"/>
           </p:cNvSpPr>
@@ -980,11 +980,11 @@
 </file>
 
 <file path=ppt/slideLayouts/slideLayout2.xml><?xml version="1.0" encoding="utf-8"?>
-<p:sldLayout xmlns:a="http://schemas.openxmlformats.org/drawingml/2006/main" xmlns:r="http://schemas.openxmlformats.org/officeDocument/2006/relationships" xmlns:p14="http://schemas.microsoft.com/office/powerpoint/2010/main" xmlns:a14="http://schemas.microsoft.com/office/drawing/2010/main" xmlns:p15="http://schemas.microsoft.com/office/powerpoint/2012/main" xmlns:p159="http://schemas.microsoft.com/office/powerpoint/2015/09/main" xmlns:p="http://schemas.openxmlformats.org/presentationml/2006/main" type="obj" preserve="1">
+<p:sldLayout xmlns:a="http://schemas.openxmlformats.org/drawingml/2006/main" xmlns:r="http://schemas.openxmlformats.org/officeDocument/2006/relationships" xmlns:m="http://schemas.openxmlformats.org/officeDocument/2006/math" xmlns:w="http://schemas.openxmlformats.org/wordprocessingml/2006/main" xmlns:wp="http://schemas.openxmlformats.org/drawingml/2006/wordprocessingDrawing" xmlns:a14="http://schemas.microsoft.com/office/drawing/2010/main" xmlns:mc="http://schemas.openxmlformats.org/markup-compatibility/2006" xmlns:p14="http://schemas.microsoft.com/office/powerpoint/2010/main" xmlns:p15="http://schemas.microsoft.com/office/powerpoint/2012/main" xmlns:p159="http://schemas.microsoft.com/office/powerpoint/2015/09/main" xmlns:p="http://schemas.openxmlformats.org/presentationml/2006/main" type="obj" preserve="1">
   <p:cSld name="Title and Content">
     <p:spTree>
       <p:nvGrpSpPr>
-        <p:cNvPr id="1" name=""/>
+        <p:cNvPr id="1" name="" title=""/>
         <p:cNvGrpSpPr/>
         <p:nvPr/>
       </p:nvGrpSpPr>
@@ -996,7 +996,7 @@
       </p:grpSpPr>
       <p:sp>
         <p:nvSpPr>
-          <p:cNvPr id="2" name="Title 1"/>
+          <p:cNvPr id="2" name="Title 1" title=""/>
           <p:cNvSpPr>
             <a:spLocks noGrp="1"/>
           </p:cNvSpPr>
@@ -1019,7 +1019,7 @@
       </p:sp>
       <p:sp>
         <p:nvSpPr>
-          <p:cNvPr id="3" name="Content Placeholder 2"/>
+          <p:cNvPr id="3" name="Content Placeholder 2" title=""/>
           <p:cNvSpPr>
             <a:spLocks noGrp="1"/>
           </p:cNvSpPr>
@@ -1070,7 +1070,7 @@
       </p:sp>
       <p:sp>
         <p:nvSpPr>
-          <p:cNvPr id="4" name="Date Placeholder 3"/>
+          <p:cNvPr id="4" name="Date Placeholder 3" title=""/>
           <p:cNvSpPr>
             <a:spLocks noGrp="1"/>
           </p:cNvSpPr>
@@ -1083,7 +1083,7 @@
           <a:bodyPr/>
           <a:lstStyle/>
           <a:p>
-            <a:fld id="{F4D94FFB-C1C0-4663-A6F3-F4A8A7719FB6}" type="datetimeFigureOut">
+            <a:fld id="{165AE9E3-2839-4536-A10B-01E4A7669761}" type="datetimeFigureOut">
               <a:rPr lang="en-US" smtClean="0"/>
               <a:t>11/7/2009</a:t>
             </a:fld>
@@ -1093,7 +1093,7 @@
       </p:sp>
       <p:sp>
         <p:nvSpPr>
-          <p:cNvPr id="5" name="Footer Placeholder 4"/>
+          <p:cNvPr id="5" name="Footer Placeholder 4" title=""/>
           <p:cNvSpPr>
             <a:spLocks noGrp="1"/>
           </p:cNvSpPr>
@@ -1112,7 +1112,7 @@
       </p:sp>
       <p:sp>
         <p:nvSpPr>
-          <p:cNvPr id="6" name="Slide Number Placeholder 5"/>
+          <p:cNvPr id="6" name="Slide Number Placeholder 5" title=""/>
           <p:cNvSpPr>
             <a:spLocks noGrp="1"/>
           </p:cNvSpPr>
@@ -1144,11 +1144,11 @@
 </file>
 
 <file path=ppt/slideLayouts/slideLayout3.xml><?xml version="1.0" encoding="utf-8"?>
-<p:sldLayout xmlns:a="http://schemas.openxmlformats.org/drawingml/2006/main" xmlns:r="http://schemas.openxmlformats.org/officeDocument/2006/relationships" xmlns:p14="http://schemas.microsoft.com/office/powerpoint/2010/main" xmlns:a14="http://schemas.microsoft.com/office/drawing/2010/main" xmlns:p15="http://schemas.microsoft.com/office/powerpoint/2012/main" xmlns:p159="http://schemas.microsoft.com/office/powerpoint/2015/09/main" xmlns:p="http://schemas.openxmlformats.org/presentationml/2006/main" type="secHead" preserve="1">
+<p:sldLayout xmlns:a="http://schemas.openxmlformats.org/drawingml/2006/main" xmlns:r="http://schemas.openxmlformats.org/officeDocument/2006/relationships" xmlns:m="http://schemas.openxmlformats.org/officeDocument/2006/math" xmlns:w="http://schemas.openxmlformats.org/wordprocessingml/2006/main" xmlns:wp="http://schemas.openxmlformats.org/drawingml/2006/wordprocessingDrawing" xmlns:a14="http://schemas.microsoft.com/office/drawing/2010/main" xmlns:mc="http://schemas.openxmlformats.org/markup-compatibility/2006" xmlns:p14="http://schemas.microsoft.com/office/powerpoint/2010/main" xmlns:p15="http://schemas.microsoft.com/office/powerpoint/2012/main" xmlns:p159="http://schemas.microsoft.com/office/powerpoint/2015/09/main" xmlns:p="http://schemas.openxmlformats.org/presentationml/2006/main" type="secHead" preserve="1">
   <p:cSld name="Section Header">
     <p:spTree>
       <p:nvGrpSpPr>
-        <p:cNvPr id="1" name=""/>
+        <p:cNvPr id="1" name="" title=""/>
         <p:cNvGrpSpPr/>
         <p:nvPr/>
       </p:nvGrpSpPr>
@@ -1160,7 +1160,7 @@
       </p:grpSpPr>
       <p:sp>
         <p:nvSpPr>
-          <p:cNvPr id="2" name="Title 1"/>
+          <p:cNvPr id="2" name="Title 1" title=""/>
           <p:cNvSpPr>
             <a:spLocks noGrp="1"/>
           </p:cNvSpPr>
@@ -1187,7 +1187,7 @@
       </p:sp>
       <p:sp>
         <p:nvSpPr>
-          <p:cNvPr id="3" name="Text Placeholder 2"/>
+          <p:cNvPr id="3" name="Text Placeholder 2" title=""/>
           <p:cNvSpPr>
             <a:spLocks noGrp="1"/>
           </p:cNvSpPr>
@@ -1300,7 +1300,7 @@
       </p:sp>
       <p:sp>
         <p:nvSpPr>
-          <p:cNvPr id="4" name="Date Placeholder 3"/>
+          <p:cNvPr id="4" name="Date Placeholder 3" title=""/>
           <p:cNvSpPr>
             <a:spLocks noGrp="1"/>
           </p:cNvSpPr>
@@ -1313,7 +1313,7 @@
           <a:bodyPr/>
           <a:lstStyle/>
           <a:p>
-            <a:fld id="{D24DD9DB-4CAD-4671-ACD9-F942C0EC448A}" type="datetimeFigureOut">
+            <a:fld id="{71B7A415-C6D1-4898-801B-EF21E21E25AF}" type="datetimeFigureOut">
               <a:rPr lang="en-US" smtClean="0"/>
               <a:t>11/7/2009</a:t>
             </a:fld>
@@ -1323,7 +1323,7 @@
       </p:sp>
       <p:sp>
         <p:nvSpPr>
-          <p:cNvPr id="5" name="Footer Placeholder 4"/>
+          <p:cNvPr id="5" name="Footer Placeholder 4" title=""/>
           <p:cNvSpPr>
             <a:spLocks noGrp="1"/>
           </p:cNvSpPr>
@@ -1342,7 +1342,7 @@
       </p:sp>
       <p:sp>
         <p:nvSpPr>
-          <p:cNvPr id="6" name="Slide Number Placeholder 5"/>
+          <p:cNvPr id="6" name="Slide Number Placeholder 5" title=""/>
           <p:cNvSpPr>
             <a:spLocks noGrp="1"/>
           </p:cNvSpPr>
@@ -1374,11 +1374,11 @@
 </file>
 
 <file path=ppt/slideLayouts/slideLayout4.xml><?xml version="1.0" encoding="utf-8"?>
-<p:sldLayout xmlns:a="http://schemas.openxmlformats.org/drawingml/2006/main" xmlns:r="http://schemas.openxmlformats.org/officeDocument/2006/relationships" xmlns:p14="http://schemas.microsoft.com/office/powerpoint/2010/main" xmlns:a14="http://schemas.microsoft.com/office/drawing/2010/main" xmlns:p15="http://schemas.microsoft.com/office/powerpoint/2012/main" xmlns:p159="http://schemas.microsoft.com/office/powerpoint/2015/09/main" xmlns:p="http://schemas.openxmlformats.org/presentationml/2006/main" type="twoObj" preserve="1">
+<p:sldLayout xmlns:a="http://schemas.openxmlformats.org/drawingml/2006/main" xmlns:r="http://schemas.openxmlformats.org/officeDocument/2006/relationships" xmlns:m="http://schemas.openxmlformats.org/officeDocument/2006/math" xmlns:w="http://schemas.openxmlformats.org/wordprocessingml/2006/main" xmlns:wp="http://schemas.openxmlformats.org/drawingml/2006/wordprocessingDrawing" xmlns:a14="http://schemas.microsoft.com/office/drawing/2010/main" xmlns:mc="http://schemas.openxmlformats.org/markup-compatibility/2006" xmlns:p14="http://schemas.microsoft.com/office/powerpoint/2010/main" xmlns:p15="http://schemas.microsoft.com/office/powerpoint/2012/main" xmlns:p159="http://schemas.microsoft.com/office/powerpoint/2015/09/main" xmlns:p="http://schemas.openxmlformats.org/presentationml/2006/main" type="twoObj" preserve="1">
   <p:cSld name="Two Content">
     <p:spTree>
       <p:nvGrpSpPr>
-        <p:cNvPr id="1" name=""/>
+        <p:cNvPr id="1" name="" title=""/>
         <p:cNvGrpSpPr/>
         <p:nvPr/>
       </p:nvGrpSpPr>
@@ -1390,7 +1390,7 @@
       </p:grpSpPr>
       <p:sp>
         <p:nvSpPr>
-          <p:cNvPr id="2" name="Title 1"/>
+          <p:cNvPr id="2" name="Title 1" title=""/>
           <p:cNvSpPr>
             <a:spLocks noGrp="1"/>
           </p:cNvSpPr>
@@ -1413,7 +1413,7 @@
       </p:sp>
       <p:sp>
         <p:nvSpPr>
-          <p:cNvPr id="3" name="Content Placeholder 2"/>
+          <p:cNvPr id="3" name="Content Placeholder 2" title=""/>
           <p:cNvSpPr>
             <a:spLocks noGrp="1"/>
           </p:cNvSpPr>
@@ -1492,7 +1492,7 @@
       </p:sp>
       <p:sp>
         <p:nvSpPr>
-          <p:cNvPr id="4" name="Content Placeholder 3"/>
+          <p:cNvPr id="4" name="Content Placeholder 3" title=""/>
           <p:cNvSpPr>
             <a:spLocks noGrp="1"/>
           </p:cNvSpPr>
@@ -1571,7 +1571,7 @@
       </p:sp>
       <p:sp>
         <p:nvSpPr>
-          <p:cNvPr id="5" name="Date Placeholder 4"/>
+          <p:cNvPr id="5" name="Date Placeholder 4" title=""/>
           <p:cNvSpPr>
             <a:spLocks noGrp="1"/>
           </p:cNvSpPr>
@@ -1584,7 +1584,7 @@
           <a:bodyPr/>
           <a:lstStyle/>
           <a:p>
-            <a:fld id="{98DA642C-B90A-428D-BE2E-E9E59089544A}" type="datetimeFigureOut">
+            <a:fld id="{5BA0EB6D-436C-4310-9E7A-448D1A8B3250}" type="datetimeFigureOut">
               <a:rPr lang="en-US" smtClean="0"/>
               <a:t>11/7/2009</a:t>
             </a:fld>
@@ -1594,7 +1594,7 @@
       </p:sp>
       <p:sp>
         <p:nvSpPr>
-          <p:cNvPr id="6" name="Footer Placeholder 5"/>
+          <p:cNvPr id="6" name="Footer Placeholder 5" title=""/>
           <p:cNvSpPr>
             <a:spLocks noGrp="1"/>
           </p:cNvSpPr>
@@ -1613,7 +1613,7 @@
       </p:sp>
       <p:sp>
         <p:nvSpPr>
-          <p:cNvPr id="7" name="Slide Number Placeholder 6"/>
+          <p:cNvPr id="7" name="Slide Number Placeholder 6" title=""/>
           <p:cNvSpPr>
             <a:spLocks noGrp="1"/>
           </p:cNvSpPr>
@@ -1645,11 +1645,11 @@
 </file>
 
 <file path=ppt/slideLayouts/slideLayout5.xml><?xml version="1.0" encoding="utf-8"?>
-<p:sldLayout xmlns:a="http://schemas.openxmlformats.org/drawingml/2006/main" xmlns:r="http://schemas.openxmlformats.org/officeDocument/2006/relationships" xmlns:p14="http://schemas.microsoft.com/office/powerpoint/2010/main" xmlns:a14="http://schemas.microsoft.com/office/drawing/2010/main" xmlns:p15="http://schemas.microsoft.com/office/powerpoint/2012/main" xmlns:p159="http://schemas.microsoft.com/office/powerpoint/2015/09/main" xmlns:p="http://schemas.openxmlformats.org/presentationml/2006/main" type="twoTxTwoObj" preserve="1">
+<p:sldLayout xmlns:a="http://schemas.openxmlformats.org/drawingml/2006/main" xmlns:r="http://schemas.openxmlformats.org/officeDocument/2006/relationships" xmlns:m="http://schemas.openxmlformats.org/officeDocument/2006/math" xmlns:w="http://schemas.openxmlformats.org/wordprocessingml/2006/main" xmlns:wp="http://schemas.openxmlformats.org/drawingml/2006/wordprocessingDrawing" xmlns:a14="http://schemas.microsoft.com/office/drawing/2010/main" xmlns:mc="http://schemas.openxmlformats.org/markup-compatibility/2006" xmlns:p14="http://schemas.microsoft.com/office/powerpoint/2010/main" xmlns:p15="http://schemas.microsoft.com/office/powerpoint/2012/main" xmlns:p159="http://schemas.microsoft.com/office/powerpoint/2015/09/main" xmlns:p="http://schemas.openxmlformats.org/presentationml/2006/main" type="twoTxTwoObj" preserve="1">
   <p:cSld name="Comparison">
     <p:spTree>
       <p:nvGrpSpPr>
-        <p:cNvPr id="1" name=""/>
+        <p:cNvPr id="1" name="" title=""/>
         <p:cNvGrpSpPr/>
         <p:nvPr/>
       </p:nvGrpSpPr>
@@ -1661,7 +1661,7 @@
       </p:grpSpPr>
       <p:sp>
         <p:nvSpPr>
-          <p:cNvPr id="2" name="Title 1"/>
+          <p:cNvPr id="2" name="Title 1" title=""/>
           <p:cNvSpPr>
             <a:spLocks noGrp="1"/>
           </p:cNvSpPr>
@@ -1684,7 +1684,7 @@
       </p:sp>
       <p:sp>
         <p:nvSpPr>
-          <p:cNvPr id="3" name="Text Placeholder 2"/>
+          <p:cNvPr id="3" name="Text Placeholder 2" title=""/>
           <p:cNvSpPr>
             <a:spLocks noGrp="1"/>
           </p:cNvSpPr>
@@ -1743,7 +1743,7 @@
       </p:sp>
       <p:sp>
         <p:nvSpPr>
-          <p:cNvPr id="4" name="Content Placeholder 3"/>
+          <p:cNvPr id="4" name="Content Placeholder 3" title=""/>
           <p:cNvSpPr>
             <a:spLocks noGrp="1"/>
           </p:cNvSpPr>
@@ -1822,7 +1822,7 @@
       </p:sp>
       <p:sp>
         <p:nvSpPr>
-          <p:cNvPr id="5" name="Text Placeholder 4"/>
+          <p:cNvPr id="5" name="Text Placeholder 4" title=""/>
           <p:cNvSpPr>
             <a:spLocks noGrp="1"/>
           </p:cNvSpPr>
@@ -1881,7 +1881,7 @@
       </p:sp>
       <p:sp>
         <p:nvSpPr>
-          <p:cNvPr id="6" name="Content Placeholder 5"/>
+          <p:cNvPr id="6" name="Content Placeholder 5" title=""/>
           <p:cNvSpPr>
             <a:spLocks noGrp="1"/>
           </p:cNvSpPr>
@@ -1960,7 +1960,7 @@
       </p:sp>
       <p:sp>
         <p:nvSpPr>
-          <p:cNvPr id="7" name="Date Placeholder 6"/>
+          <p:cNvPr id="7" name="Date Placeholder 6" title=""/>
           <p:cNvSpPr>
             <a:spLocks noGrp="1"/>
           </p:cNvSpPr>
@@ -1973,7 +1973,7 @@
           <a:bodyPr/>
           <a:lstStyle/>
           <a:p>
-            <a:fld id="{A50B4B3A-719C-4081-BFB6-80D02BA046C6}" type="datetimeFigureOut">
+            <a:fld id="{A15CBDD9-3417-47EE-B4F9-3B37DA595337}" type="datetimeFigureOut">
               <a:rPr lang="en-US" smtClean="0"/>
               <a:t>11/7/2009</a:t>
             </a:fld>
@@ -1983,7 +1983,7 @@
       </p:sp>
       <p:sp>
         <p:nvSpPr>
-          <p:cNvPr id="8" name="Footer Placeholder 7"/>
+          <p:cNvPr id="8" name="Footer Placeholder 7" title=""/>
           <p:cNvSpPr>
             <a:spLocks noGrp="1"/>
           </p:cNvSpPr>
@@ -2002,7 +2002,7 @@
       </p:sp>
       <p:sp>
         <p:nvSpPr>
-          <p:cNvPr id="9" name="Slide Number Placeholder 8"/>
+          <p:cNvPr id="9" name="Slide Number Placeholder 8" title=""/>
           <p:cNvSpPr>
             <a:spLocks noGrp="1"/>
           </p:cNvSpPr>
@@ -2034,11 +2034,11 @@
 </file>
 
 <file path=ppt/slideLayouts/slideLayout6.xml><?xml version="1.0" encoding="utf-8"?>
-<p:sldLayout xmlns:a="http://schemas.openxmlformats.org/drawingml/2006/main" xmlns:r="http://schemas.openxmlformats.org/officeDocument/2006/relationships" xmlns:p14="http://schemas.microsoft.com/office/powerpoint/2010/main" xmlns:a14="http://schemas.microsoft.com/office/drawing/2010/main" xmlns:p15="http://schemas.microsoft.com/office/powerpoint/2012/main" xmlns:p159="http://schemas.microsoft.com/office/powerpoint/2015/09/main" xmlns:p="http://schemas.openxmlformats.org/presentationml/2006/main" type="titleOnly" preserve="1">
+<p:sldLayout xmlns:a="http://schemas.openxmlformats.org/drawingml/2006/main" xmlns:r="http://schemas.openxmlformats.org/officeDocument/2006/relationships" xmlns:m="http://schemas.openxmlformats.org/officeDocument/2006/math" xmlns:w="http://schemas.openxmlformats.org/wordprocessingml/2006/main" xmlns:wp="http://schemas.openxmlformats.org/drawingml/2006/wordprocessingDrawing" xmlns:a14="http://schemas.microsoft.com/office/drawing/2010/main" xmlns:mc="http://schemas.openxmlformats.org/markup-compatibility/2006" xmlns:p14="http://schemas.microsoft.com/office/powerpoint/2010/main" xmlns:p15="http://schemas.microsoft.com/office/powerpoint/2012/main" xmlns:p159="http://schemas.microsoft.com/office/powerpoint/2015/09/main" xmlns:p="http://schemas.openxmlformats.org/presentationml/2006/main" type="titleOnly" preserve="1">
   <p:cSld name="Title Only">
     <p:spTree>
       <p:nvGrpSpPr>
-        <p:cNvPr id="1" name=""/>
+        <p:cNvPr id="1" name="" title=""/>
         <p:cNvGrpSpPr/>
         <p:nvPr/>
       </p:nvGrpSpPr>
@@ -2050,7 +2050,7 @@
       </p:grpSpPr>
       <p:sp>
         <p:nvSpPr>
-          <p:cNvPr id="2" name="Title 1"/>
+          <p:cNvPr id="2" name="Title 1" title=""/>
           <p:cNvSpPr>
             <a:spLocks noGrp="1"/>
           </p:cNvSpPr>
@@ -2073,7 +2073,7 @@
       </p:sp>
       <p:sp>
         <p:nvSpPr>
-          <p:cNvPr id="3" name="Date Placeholder 2"/>
+          <p:cNvPr id="3" name="Date Placeholder 2" title=""/>
           <p:cNvSpPr>
             <a:spLocks noGrp="1"/>
           </p:cNvSpPr>
@@ -2086,7 +2086,7 @@
           <a:bodyPr/>
           <a:lstStyle/>
           <a:p>
-            <a:fld id="{FCE21635-5A76-4F6B-BBC7-42B20B196F93}" type="datetimeFigureOut">
+            <a:fld id="{C70A6844-237A-4B53-B99A-EABEA7A4CA69}" type="datetimeFigureOut">
               <a:rPr lang="en-US" smtClean="0"/>
               <a:t>11/7/2009</a:t>
             </a:fld>
@@ -2096,7 +2096,7 @@
       </p:sp>
       <p:sp>
         <p:nvSpPr>
-          <p:cNvPr id="4" name="Footer Placeholder 3"/>
+          <p:cNvPr id="4" name="Footer Placeholder 3" title=""/>
           <p:cNvSpPr>
             <a:spLocks noGrp="1"/>
           </p:cNvSpPr>
@@ -2115,7 +2115,7 @@
       </p:sp>
       <p:sp>
         <p:nvSpPr>
-          <p:cNvPr id="5" name="Slide Number Placeholder 4"/>
+          <p:cNvPr id="5" name="Slide Number Placeholder 4" title=""/>
           <p:cNvSpPr>
             <a:spLocks noGrp="1"/>
           </p:cNvSpPr>
@@ -2147,11 +2147,11 @@
 </file>
 
 <file path=ppt/slideLayouts/slideLayout7.xml><?xml version="1.0" encoding="utf-8"?>
-<p:sldLayout xmlns:a="http://schemas.openxmlformats.org/drawingml/2006/main" xmlns:r="http://schemas.openxmlformats.org/officeDocument/2006/relationships" xmlns:p14="http://schemas.microsoft.com/office/powerpoint/2010/main" xmlns:a14="http://schemas.microsoft.com/office/drawing/2010/main" xmlns:p15="http://schemas.microsoft.com/office/powerpoint/2012/main" xmlns:p159="http://schemas.microsoft.com/office/powerpoint/2015/09/main" xmlns:p="http://schemas.openxmlformats.org/presentationml/2006/main" type="blank" preserve="1">
+<p:sldLayout xmlns:a="http://schemas.openxmlformats.org/drawingml/2006/main" xmlns:r="http://schemas.openxmlformats.org/officeDocument/2006/relationships" xmlns:m="http://schemas.openxmlformats.org/officeDocument/2006/math" xmlns:w="http://schemas.openxmlformats.org/wordprocessingml/2006/main" xmlns:wp="http://schemas.openxmlformats.org/drawingml/2006/wordprocessingDrawing" xmlns:a14="http://schemas.microsoft.com/office/drawing/2010/main" xmlns:mc="http://schemas.openxmlformats.org/markup-compatibility/2006" xmlns:p14="http://schemas.microsoft.com/office/powerpoint/2010/main" xmlns:p15="http://schemas.microsoft.com/office/powerpoint/2012/main" xmlns:p159="http://schemas.microsoft.com/office/powerpoint/2015/09/main" xmlns:p="http://schemas.openxmlformats.org/presentationml/2006/main" type="blank" preserve="1">
   <p:cSld name="Blank">
     <p:spTree>
       <p:nvGrpSpPr>
-        <p:cNvPr id="1" name=""/>
+        <p:cNvPr id="1" name="" title=""/>
         <p:cNvGrpSpPr/>
         <p:nvPr/>
       </p:nvGrpSpPr>
@@ -2163,7 +2163,7 @@
       </p:grpSpPr>
       <p:sp>
         <p:nvSpPr>
-          <p:cNvPr id="2" name="Date Placeholder 1"/>
+          <p:cNvPr id="2" name="Date Placeholder 1" title=""/>
           <p:cNvSpPr>
             <a:spLocks noGrp="1"/>
           </p:cNvSpPr>
@@ -2176,7 +2176,7 @@
           <a:bodyPr/>
           <a:lstStyle/>
           <a:p>
-            <a:fld id="{DA5979F4-C07B-4565-930B-8309E86BB2FF}" type="datetimeFigureOut">
+            <a:fld id="{91971759-7640-4912-9E08-C2E51C974E71}" type="datetimeFigureOut">
               <a:rPr lang="en-US" smtClean="0"/>
               <a:t>11/7/2009</a:t>
             </a:fld>
@@ -2186,7 +2186,7 @@
       </p:sp>
       <p:sp>
         <p:nvSpPr>
-          <p:cNvPr id="3" name="Footer Placeholder 2"/>
+          <p:cNvPr id="3" name="Footer Placeholder 2" title=""/>
           <p:cNvSpPr>
             <a:spLocks noGrp="1"/>
           </p:cNvSpPr>
@@ -2205,7 +2205,7 @@
       </p:sp>
       <p:sp>
         <p:nvSpPr>
-          <p:cNvPr id="4" name="Slide Number Placeholder 3"/>
+          <p:cNvPr id="4" name="Slide Number Placeholder 3" title=""/>
           <p:cNvSpPr>
             <a:spLocks noGrp="1"/>
           </p:cNvSpPr>
@@ -2237,11 +2237,11 @@
 </file>
 
 <file path=ppt/slideLayouts/slideLayout8.xml><?xml version="1.0" encoding="utf-8"?>
-<p:sldLayout xmlns:a="http://schemas.openxmlformats.org/drawingml/2006/main" xmlns:r="http://schemas.openxmlformats.org/officeDocument/2006/relationships" xmlns:p14="http://schemas.microsoft.com/office/powerpoint/2010/main" xmlns:a14="http://schemas.microsoft.com/office/drawing/2010/main" xmlns:p15="http://schemas.microsoft.com/office/powerpoint/2012/main" xmlns:p159="http://schemas.microsoft.com/office/powerpoint/2015/09/main" xmlns:p="http://schemas.openxmlformats.org/presentationml/2006/main" type="objTx" preserve="1">
+<p:sldLayout xmlns:a="http://schemas.openxmlformats.org/drawingml/2006/main" xmlns:r="http://schemas.openxmlformats.org/officeDocument/2006/relationships" xmlns:m="http://schemas.openxmlformats.org/officeDocument/2006/math" xmlns:w="http://schemas.openxmlformats.org/wordprocessingml/2006/main" xmlns:wp="http://schemas.openxmlformats.org/drawingml/2006/wordprocessingDrawing" xmlns:a14="http://schemas.microsoft.com/office/drawing/2010/main" xmlns:mc="http://schemas.openxmlformats.org/markup-compatibility/2006" xmlns:p14="http://schemas.microsoft.com/office/powerpoint/2010/main" xmlns:p15="http://schemas.microsoft.com/office/powerpoint/2012/main" xmlns:p159="http://schemas.microsoft.com/office/powerpoint/2015/09/main" xmlns:p="http://schemas.openxmlformats.org/presentationml/2006/main" type="objTx" preserve="1">
   <p:cSld name="Content with Caption">
     <p:spTree>
       <p:nvGrpSpPr>
-        <p:cNvPr id="1" name=""/>
+        <p:cNvPr id="1" name="" title=""/>
         <p:cNvGrpSpPr/>
         <p:nvPr/>
       </p:nvGrpSpPr>
@@ -2253,7 +2253,7 @@
       </p:grpSpPr>
       <p:sp>
         <p:nvSpPr>
-          <p:cNvPr id="2" name="Title 1"/>
+          <p:cNvPr id="2" name="Title 1" title=""/>
           <p:cNvSpPr>
             <a:spLocks noGrp="1"/>
           </p:cNvSpPr>
@@ -2280,7 +2280,7 @@
       </p:sp>
       <p:sp>
         <p:nvSpPr>
-          <p:cNvPr id="3" name="Content Placeholder 2"/>
+          <p:cNvPr id="3" name="Content Placeholder 2" title=""/>
           <p:cNvSpPr>
             <a:spLocks noGrp="1"/>
           </p:cNvSpPr>
@@ -2359,7 +2359,7 @@
       </p:sp>
       <p:sp>
         <p:nvSpPr>
-          <p:cNvPr id="4" name="Text Placeholder 3"/>
+          <p:cNvPr id="4" name="Text Placeholder 3" title=""/>
           <p:cNvSpPr>
             <a:spLocks noGrp="1"/>
           </p:cNvSpPr>
@@ -2418,7 +2418,7 @@
       </p:sp>
       <p:sp>
         <p:nvSpPr>
-          <p:cNvPr id="5" name="Date Placeholder 4"/>
+          <p:cNvPr id="5" name="Date Placeholder 4" title=""/>
           <p:cNvSpPr>
             <a:spLocks noGrp="1"/>
           </p:cNvSpPr>
@@ -2431,7 +2431,7 @@
           <a:bodyPr/>
           <a:lstStyle/>
           <a:p>
-            <a:fld id="{495ECAF7-2789-49D2-BC9A-BE2723C90D53}" type="datetimeFigureOut">
+            <a:fld id="{9333AFD1-62AC-4089-B556-3C738F683C43}" type="datetimeFigureOut">
               <a:rPr lang="en-US" smtClean="0"/>
               <a:t>11/7/2009</a:t>
             </a:fld>
@@ -2441,7 +2441,7 @@
       </p:sp>
       <p:sp>
         <p:nvSpPr>
-          <p:cNvPr id="6" name="Footer Placeholder 5"/>
+          <p:cNvPr id="6" name="Footer Placeholder 5" title=""/>
           <p:cNvSpPr>
             <a:spLocks noGrp="1"/>
           </p:cNvSpPr>
@@ -2460,7 +2460,7 @@
       </p:sp>
       <p:sp>
         <p:nvSpPr>
-          <p:cNvPr id="7" name="Slide Number Placeholder 6"/>
+          <p:cNvPr id="7" name="Slide Number Placeholder 6" title=""/>
           <p:cNvSpPr>
             <a:spLocks noGrp="1"/>
           </p:cNvSpPr>
@@ -2492,11 +2492,11 @@
 </file>
 
 <file path=ppt/slideLayouts/slideLayout9.xml><?xml version="1.0" encoding="utf-8"?>
-<p:sldLayout xmlns:a="http://schemas.openxmlformats.org/drawingml/2006/main" xmlns:r="http://schemas.openxmlformats.org/officeDocument/2006/relationships" xmlns:p14="http://schemas.microsoft.com/office/powerpoint/2010/main" xmlns:a14="http://schemas.microsoft.com/office/drawing/2010/main" xmlns:p15="http://schemas.microsoft.com/office/powerpoint/2012/main" xmlns:p159="http://schemas.microsoft.com/office/powerpoint/2015/09/main" xmlns:p="http://schemas.openxmlformats.org/presentationml/2006/main" type="picTx" preserve="1">
+<p:sldLayout xmlns:a="http://schemas.openxmlformats.org/drawingml/2006/main" xmlns:r="http://schemas.openxmlformats.org/officeDocument/2006/relationships" xmlns:m="http://schemas.openxmlformats.org/officeDocument/2006/math" xmlns:w="http://schemas.openxmlformats.org/wordprocessingml/2006/main" xmlns:wp="http://schemas.openxmlformats.org/drawingml/2006/wordprocessingDrawing" xmlns:a14="http://schemas.microsoft.com/office/drawing/2010/main" xmlns:mc="http://schemas.openxmlformats.org/markup-compatibility/2006" xmlns:p14="http://schemas.microsoft.com/office/powerpoint/2010/main" xmlns:p15="http://schemas.microsoft.com/office/powerpoint/2012/main" xmlns:p159="http://schemas.microsoft.com/office/powerpoint/2015/09/main" xmlns:p="http://schemas.openxmlformats.org/presentationml/2006/main" type="picTx" preserve="1">
   <p:cSld name="Picture with Caption">
     <p:spTree>
       <p:nvGrpSpPr>
-        <p:cNvPr id="1" name=""/>
+        <p:cNvPr id="1" name="" title=""/>
         <p:cNvGrpSpPr/>
         <p:nvPr/>
       </p:nvGrpSpPr>
@@ -2508,7 +2508,7 @@
       </p:grpSpPr>
       <p:sp>
         <p:nvSpPr>
-          <p:cNvPr id="2" name="Title 1"/>
+          <p:cNvPr id="2" name="Title 1" title=""/>
           <p:cNvSpPr>
             <a:spLocks noGrp="1"/>
           </p:cNvSpPr>
@@ -2535,7 +2535,7 @@
       </p:sp>
       <p:sp>
         <p:nvSpPr>
-          <p:cNvPr id="3" name="Picture Placeholder 2"/>
+          <p:cNvPr id="3" name="Picture Placeholder 2" title=""/>
           <p:cNvSpPr>
             <a:spLocks noGrp="1"/>
           </p:cNvSpPr>
@@ -2591,7 +2591,7 @@
       </p:sp>
       <p:sp>
         <p:nvSpPr>
-          <p:cNvPr id="4" name="Text Placeholder 3"/>
+          <p:cNvPr id="4" name="Text Placeholder 3" title=""/>
           <p:cNvSpPr>
             <a:spLocks noGrp="1"/>
           </p:cNvSpPr>
@@ -2650,7 +2650,7 @@
       </p:sp>
       <p:sp>
         <p:nvSpPr>
-          <p:cNvPr id="5" name="Date Placeholder 4"/>
+          <p:cNvPr id="5" name="Date Placeholder 4" title=""/>
           <p:cNvSpPr>
             <a:spLocks noGrp="1"/>
           </p:cNvSpPr>
@@ -2663,7 +2663,7 @@
           <a:bodyPr/>
           <a:lstStyle/>
           <a:p>
-            <a:fld id="{29E990D3-37CF-4E1E-BDFB-0923FF410420}" type="datetimeFigureOut">
+            <a:fld id="{4216F8AC-F342-4971-8E4C-270DB38463B0}" type="datetimeFigureOut">
               <a:rPr lang="en-US" smtClean="0"/>
               <a:t>11/7/2009</a:t>
             </a:fld>
@@ -2673,7 +2673,7 @@
       </p:sp>
       <p:sp>
         <p:nvSpPr>
-          <p:cNvPr id="6" name="Footer Placeholder 5"/>
+          <p:cNvPr id="6" name="Footer Placeholder 5" title=""/>
           <p:cNvSpPr>
             <a:spLocks noGrp="1"/>
           </p:cNvSpPr>
@@ -2692,7 +2692,7 @@
       </p:sp>
       <p:sp>
         <p:nvSpPr>
-          <p:cNvPr id="7" name="Slide Number Placeholder 6"/>
+          <p:cNvPr id="7" name="Slide Number Placeholder 6" title=""/>
           <p:cNvSpPr>
             <a:spLocks noGrp="1"/>
           </p:cNvSpPr>
@@ -2724,7 +2724,7 @@
 </file>
 
 <file path=ppt/slideMasters/slideMaster1.xml><?xml version="1.0" encoding="utf-8"?>
-<p:sldMaster xmlns:a="http://schemas.openxmlformats.org/drawingml/2006/main" xmlns:r="http://schemas.openxmlformats.org/officeDocument/2006/relationships" xmlns:p14="http://schemas.microsoft.com/office/powerpoint/2010/main" xmlns:a14="http://schemas.microsoft.com/office/drawing/2010/main" xmlns:p15="http://schemas.microsoft.com/office/powerpoint/2012/main" xmlns:p159="http://schemas.microsoft.com/office/powerpoint/2015/09/main" xmlns:p="http://schemas.openxmlformats.org/presentationml/2006/main">
+<p:sldMaster xmlns:a="http://schemas.openxmlformats.org/drawingml/2006/main" xmlns:r="http://schemas.openxmlformats.org/officeDocument/2006/relationships" xmlns:m="http://schemas.openxmlformats.org/officeDocument/2006/math" xmlns:w="http://schemas.openxmlformats.org/wordprocessingml/2006/main" xmlns:wp="http://schemas.openxmlformats.org/drawingml/2006/wordprocessingDrawing" xmlns:a14="http://schemas.microsoft.com/office/drawing/2010/main" xmlns:mc="http://schemas.openxmlformats.org/markup-compatibility/2006" xmlns:p14="http://schemas.microsoft.com/office/powerpoint/2010/main" xmlns:p15="http://schemas.microsoft.com/office/powerpoint/2012/main" xmlns:p159="http://schemas.microsoft.com/office/powerpoint/2015/09/main" xmlns:p="http://schemas.openxmlformats.org/presentationml/2006/main">
   <p:cSld>
     <p:bg>
       <p:bgRef idx="1001">
@@ -2733,7 +2733,7 @@
     </p:bg>
     <p:spTree>
       <p:nvGrpSpPr>
-        <p:cNvPr id="1" name=""/>
+        <p:cNvPr id="1" name="" title=""/>
         <p:cNvGrpSpPr/>
         <p:nvPr/>
       </p:nvGrpSpPr>
@@ -2745,7 +2745,7 @@
       </p:grpSpPr>
       <p:sp>
         <p:nvSpPr>
-          <p:cNvPr id="2" name="Title Placeholder 1"/>
+          <p:cNvPr id="2" name="Title Placeholder 1" title=""/>
           <p:cNvSpPr>
             <a:spLocks noGrp="1"/>
           </p:cNvSpPr>
@@ -2778,7 +2778,7 @@
       </p:sp>
       <p:sp>
         <p:nvSpPr>
-          <p:cNvPr id="3" name="Text Placeholder 2"/>
+          <p:cNvPr id="3" name="Text Placeholder 2" title=""/>
           <p:cNvSpPr>
             <a:spLocks noGrp="1"/>
           </p:cNvSpPr>
@@ -2839,7 +2839,7 @@
       </p:sp>
       <p:sp>
         <p:nvSpPr>
-          <p:cNvPr id="4" name="Date Placeholder 3"/>
+          <p:cNvPr id="4" name="Date Placeholder 3" title=""/>
           <p:cNvSpPr>
             <a:spLocks noGrp="1"/>
           </p:cNvSpPr>
@@ -2880,7 +2880,7 @@
       </p:sp>
       <p:sp>
         <p:nvSpPr>
-          <p:cNvPr id="5" name="Footer Placeholder 4"/>
+          <p:cNvPr id="5" name="Footer Placeholder 4" title=""/>
           <p:cNvSpPr>
             <a:spLocks noGrp="1"/>
           </p:cNvSpPr>
@@ -2917,7 +2917,7 @@
       </p:sp>
       <p:sp>
         <p:nvSpPr>
-          <p:cNvPr id="6" name="Slide Number Placeholder 5"/>
+          <p:cNvPr id="6" name="Slide Number Placeholder 5" title=""/>
           <p:cNvSpPr>
             <a:spLocks noGrp="1"/>
           </p:cNvSpPr>
@@ -3228,11 +3228,11 @@
 </file>
 
 <file path=ppt/slides/slide1.xml><?xml version="1.0" encoding="utf-8"?>
-<p:sld xmlns:a="http://schemas.openxmlformats.org/drawingml/2006/main" xmlns:r="http://schemas.openxmlformats.org/officeDocument/2006/relationships" xmlns:p14="http://schemas.microsoft.com/office/powerpoint/2010/main" xmlns:a14="http://schemas.microsoft.com/office/drawing/2010/main" xmlns:p15="http://schemas.microsoft.com/office/powerpoint/2012/main" xmlns:p159="http://schemas.microsoft.com/office/powerpoint/2015/09/main" xmlns:p="http://schemas.openxmlformats.org/presentationml/2006/main">
+<p:sld xmlns:a="http://schemas.openxmlformats.org/drawingml/2006/main" xmlns:r="http://schemas.openxmlformats.org/officeDocument/2006/relationships" xmlns:m="http://schemas.openxmlformats.org/officeDocument/2006/math" xmlns:w="http://schemas.openxmlformats.org/wordprocessingml/2006/main" xmlns:wp="http://schemas.openxmlformats.org/drawingml/2006/wordprocessingDrawing" xmlns:a14="http://schemas.microsoft.com/office/drawing/2010/main" xmlns:mc="http://schemas.openxmlformats.org/markup-compatibility/2006" xmlns:p14="http://schemas.microsoft.com/office/powerpoint/2010/main" xmlns:p15="http://schemas.microsoft.com/office/powerpoint/2012/main" xmlns:p159="http://schemas.microsoft.com/office/powerpoint/2015/09/main" xmlns:p="http://schemas.openxmlformats.org/presentationml/2006/main">
   <p:cSld name="">
     <p:spTree>
       <p:nvGrpSpPr>
-        <p:cNvPr id="1" name=""/>
+        <p:cNvPr id="1" name="" title=""/>
         <p:cNvGrpSpPr/>
         <p:nvPr/>
       </p:nvGrpSpPr>
@@ -3244,7 +3244,7 @@
       </p:grpSpPr>
       <p:graphicFrame>
         <p:nvGraphicFramePr>
-          <p:cNvPr id="2" name="ChartObject"/>
+          <p:cNvPr id="2" name="ChartObject" title=""/>
           <p:cNvGraphicFramePr/>
           <p:nvPr/>
         </p:nvGraphicFramePr>
@@ -3258,6 +3258,77 @@
           </a:graphicData>
         </a:graphic>
       </p:graphicFrame>
+      <p:sp>
+        <p:nvSpPr>
+          <p:cNvPr id="3" name="TextBox"/>
+          <p:cNvSpPr txBox="1">
+            <a:spLocks noGrp="1" noSelect="1" noRot="1" noMove="1"/>
+          </p:cNvSpPr>
+          <p:nvPr/>
+        </p:nvSpPr>
+        <p:spPr>
+          <a:xfrm>
+            <a:off x="1366520" y="2644140"/>
+            <a:ext cx="6411372" cy="1569660"/>
+          </a:xfrm>
+          <a:prstGeom prst="rect">
+            <a:avLst/>
+          </a:prstGeom>
+          <a:noFill/>
+        </p:spPr>
+        <p:txBody>
+          <a:bodyPr wrap="none" rtlCol="0" anchor="ctr" anchorCtr="1">
+            <a:spAutoFit/>
+          </a:bodyPr>
+          <a:lstStyle>
+            <a:lvl1pPr algn="l">
+              <a:lnSpc>
+                <a:spcPct val="150000"/>
+              </a:lnSpc>
+              <a:spcBef>
+                <a:spcPct val="0"/>
+              </a:spcBef>
+              <a:spcAft>
+                <a:spcPct val="0"/>
+              </a:spcAft>
+              <a:defRPr lang="en-US" sz="3200" b="1" noProof="1" dirty="0">
+                <a:solidFill>
+                  <a:prstClr val="red">
+                    <a:lumOff val="30000"/>
+                    <a:alpha val="40000"/>
+                  </a:prstClr>
+                </a:solidFill>
+                <a:effectLst>
+                  <a:outerShdw blurRad="50800" dist="38100" algn="tr" rotWithShape="0">
+                    <a:prstClr val="black">
+                      <a:alpha val="80000"/>
+                    </a:prstClr>
+                  </a:outerShdw>
+                </a:effectLst>
+                <a:latin typeface="Calibri" pitchFamily="34" charset="0"/>
+              </a:defRPr>
+            </a:lvl1pPr>
+          </a:lstStyle>
+          <a:p>
+            <a:pPr algn="ctr"/>
+            <a:r>
+              <a:t>Evaluation only.</a:t>
+            </a:r>
+          </a:p>
+          <a:p>
+            <a:pPr algn="ctr"/>
+            <a:r>
+              <a:t>Created with Aspose.Slides for .NET 4.0 Client Profile 21.12.</a:t>
+            </a:r>
+          </a:p>
+          <a:p>
+            <a:pPr algn="ctr"/>
+            <a:r>
+              <a:t>Copyright 2004-2021Aspose Pty Ltd.</a:t>
+            </a:r>
+          </a:p>
+        </p:txBody>
+      </p:sp>
     </p:spTree>
   </p:cSld>
   <p:clrMapOvr>
@@ -3271,10 +3342,10 @@
 <file path=ppt/tags/tag1.xml><?xml version="1.0" encoding="utf-8"?>
 <p:tagLst xmlns:p="http://schemas.openxmlformats.org/presentationml/2006/main">
   <p:tag name="AS_NET" val="4.0.30319.42000"/>
-  <p:tag name="AS_OS" val="Microsoft Windows NT 6.2.9200.0"/>
-  <p:tag name="AS_RELEASE_DATE" val="2019.06.14"/>
+  <p:tag name="AS_OS" val="Microsoft Windows NT 6.3.9600.0"/>
+  <p:tag name="AS_RELEASE_DATE" val="2021.12.14"/>
   <p:tag name="AS_TITLE" val="Aspose.Slides for .NET 4.0 Client Profile"/>
-  <p:tag name="AS_VERSION" val="19.6"/>
+  <p:tag name="AS_VERSION" val="21.12"/>
 </p:tagLst>
 </file>
 
